--- a/hw_dry/hw_alex/hw3/imgs/imgs.pptx
+++ b/hw_dry/hw_alex/hw3/imgs/imgs.pptx
@@ -104,6 +104,11 @@
       </a:defRPr>
     </a:lvl9pPr>
   </p:defaultTextStyle>
+  <p:extLst>
+    <p:ext uri="{EFAFB233-063F-42B5-8137-9DF3F51BA10A}">
+      <p15:sldGuideLst xmlns:p15="http://schemas.microsoft.com/office/powerpoint/2012/main"/>
+    </p:ext>
+  </p:extLst>
 </p:presentation>
 </file>
 
@@ -254,7 +259,7 @@
           <a:p>
             <a:fld id="{F04B75FC-1628-4D81-AF57-A10AEC844FDA}" type="datetimeFigureOut">
               <a:rPr lang="en-US" smtClean="0"/>
-              <a:t>5/8/2019</a:t>
+              <a:t>5/12/2019</a:t>
             </a:fld>
             <a:endParaRPr lang="en-US"/>
           </a:p>
@@ -452,7 +457,7 @@
           <a:p>
             <a:fld id="{F04B75FC-1628-4D81-AF57-A10AEC844FDA}" type="datetimeFigureOut">
               <a:rPr lang="en-US" smtClean="0"/>
-              <a:t>5/8/2019</a:t>
+              <a:t>5/12/2019</a:t>
             </a:fld>
             <a:endParaRPr lang="en-US"/>
           </a:p>
@@ -660,7 +665,7 @@
           <a:p>
             <a:fld id="{F04B75FC-1628-4D81-AF57-A10AEC844FDA}" type="datetimeFigureOut">
               <a:rPr lang="en-US" smtClean="0"/>
-              <a:t>5/8/2019</a:t>
+              <a:t>5/12/2019</a:t>
             </a:fld>
             <a:endParaRPr lang="en-US"/>
           </a:p>
@@ -858,7 +863,7 @@
           <a:p>
             <a:fld id="{F04B75FC-1628-4D81-AF57-A10AEC844FDA}" type="datetimeFigureOut">
               <a:rPr lang="en-US" smtClean="0"/>
-              <a:t>5/8/2019</a:t>
+              <a:t>5/12/2019</a:t>
             </a:fld>
             <a:endParaRPr lang="en-US"/>
           </a:p>
@@ -1133,7 +1138,7 @@
           <a:p>
             <a:fld id="{F04B75FC-1628-4D81-AF57-A10AEC844FDA}" type="datetimeFigureOut">
               <a:rPr lang="en-US" smtClean="0"/>
-              <a:t>5/8/2019</a:t>
+              <a:t>5/12/2019</a:t>
             </a:fld>
             <a:endParaRPr lang="en-US"/>
           </a:p>
@@ -1398,7 +1403,7 @@
           <a:p>
             <a:fld id="{F04B75FC-1628-4D81-AF57-A10AEC844FDA}" type="datetimeFigureOut">
               <a:rPr lang="en-US" smtClean="0"/>
-              <a:t>5/8/2019</a:t>
+              <a:t>5/12/2019</a:t>
             </a:fld>
             <a:endParaRPr lang="en-US"/>
           </a:p>
@@ -1810,7 +1815,7 @@
           <a:p>
             <a:fld id="{F04B75FC-1628-4D81-AF57-A10AEC844FDA}" type="datetimeFigureOut">
               <a:rPr lang="en-US" smtClean="0"/>
-              <a:t>5/8/2019</a:t>
+              <a:t>5/12/2019</a:t>
             </a:fld>
             <a:endParaRPr lang="en-US"/>
           </a:p>
@@ -1951,7 +1956,7 @@
           <a:p>
             <a:fld id="{F04B75FC-1628-4D81-AF57-A10AEC844FDA}" type="datetimeFigureOut">
               <a:rPr lang="en-US" smtClean="0"/>
-              <a:t>5/8/2019</a:t>
+              <a:t>5/12/2019</a:t>
             </a:fld>
             <a:endParaRPr lang="en-US"/>
           </a:p>
@@ -2064,7 +2069,7 @@
           <a:p>
             <a:fld id="{F04B75FC-1628-4D81-AF57-A10AEC844FDA}" type="datetimeFigureOut">
               <a:rPr lang="en-US" smtClean="0"/>
-              <a:t>5/8/2019</a:t>
+              <a:t>5/12/2019</a:t>
             </a:fld>
             <a:endParaRPr lang="en-US"/>
           </a:p>
@@ -2375,7 +2380,7 @@
           <a:p>
             <a:fld id="{F04B75FC-1628-4D81-AF57-A10AEC844FDA}" type="datetimeFigureOut">
               <a:rPr lang="en-US" smtClean="0"/>
-              <a:t>5/8/2019</a:t>
+              <a:t>5/12/2019</a:t>
             </a:fld>
             <a:endParaRPr lang="en-US"/>
           </a:p>
@@ -2663,7 +2668,7 @@
           <a:p>
             <a:fld id="{F04B75FC-1628-4D81-AF57-A10AEC844FDA}" type="datetimeFigureOut">
               <a:rPr lang="en-US" smtClean="0"/>
-              <a:t>5/8/2019</a:t>
+              <a:t>5/12/2019</a:t>
             </a:fld>
             <a:endParaRPr lang="en-US"/>
           </a:p>
@@ -2904,7 +2909,7 @@
           <a:p>
             <a:fld id="{F04B75FC-1628-4D81-AF57-A10AEC844FDA}" type="datetimeFigureOut">
               <a:rPr lang="en-US" smtClean="0"/>
-              <a:t>5/8/2019</a:t>
+              <a:t>5/12/2019</a:t>
             </a:fld>
             <a:endParaRPr lang="en-US"/>
           </a:p>
@@ -3353,10 +3358,10 @@
       </p:pic>
       <p:grpSp>
         <p:nvGrpSpPr>
-          <p:cNvPr id="21" name="Group 20">
-            <a:extLst>
-              <a:ext uri="{FF2B5EF4-FFF2-40B4-BE49-F238E27FC236}">
-                <a16:creationId xmlns:a16="http://schemas.microsoft.com/office/drawing/2014/main" id="{12C54F6A-F135-475B-9926-4A36DD6DB914}"/>
+          <p:cNvPr id="46" name="Group 45">
+            <a:extLst>
+              <a:ext uri="{FF2B5EF4-FFF2-40B4-BE49-F238E27FC236}">
+                <a16:creationId xmlns:a16="http://schemas.microsoft.com/office/drawing/2014/main" id="{3E319FDF-EF5A-4760-8C1A-41CCE478F644}"/>
               </a:ext>
             </a:extLst>
           </p:cNvPr>
@@ -3365,374 +3370,7 @@
         </p:nvGrpSpPr>
         <p:grpSpPr>
           <a:xfrm>
-            <a:off x="7777414" y="1400175"/>
-            <a:ext cx="508001" cy="552104"/>
-            <a:chOff x="6339839" y="2058987"/>
-            <a:chExt cx="508001" cy="552104"/>
-          </a:xfrm>
-        </p:grpSpPr>
-        <p:sp>
-          <p:nvSpPr>
-            <p:cNvPr id="22" name="Rectangle 21">
-              <a:extLst>
-                <a:ext uri="{FF2B5EF4-FFF2-40B4-BE49-F238E27FC236}">
-                  <a16:creationId xmlns:a16="http://schemas.microsoft.com/office/drawing/2014/main" id="{28562A40-4DBF-4000-BF47-C8A6854FFAFE}"/>
-                </a:ext>
-              </a:extLst>
-            </p:cNvPr>
-            <p:cNvSpPr/>
-            <p:nvPr/>
-          </p:nvSpPr>
-          <p:spPr>
-            <a:xfrm>
-              <a:off x="6339839" y="2058987"/>
-              <a:ext cx="508001" cy="511175"/>
-            </a:xfrm>
-            <a:prstGeom prst="rect">
-              <a:avLst/>
-            </a:prstGeom>
-            <a:noFill/>
-            <a:ln w="28575">
-              <a:solidFill>
-                <a:schemeClr val="accent1">
-                  <a:lumMod val="50000"/>
-                </a:schemeClr>
-              </a:solidFill>
-            </a:ln>
-          </p:spPr>
-          <p:style>
-            <a:lnRef idx="2">
-              <a:schemeClr val="accent1">
-                <a:shade val="50000"/>
-              </a:schemeClr>
-            </a:lnRef>
-            <a:fillRef idx="1">
-              <a:schemeClr val="accent1"/>
-            </a:fillRef>
-            <a:effectRef idx="0">
-              <a:schemeClr val="accent1"/>
-            </a:effectRef>
-            <a:fontRef idx="minor">
-              <a:schemeClr val="lt1"/>
-            </a:fontRef>
-          </p:style>
-          <p:txBody>
-            <a:bodyPr rtlCol="0" anchor="ctr"/>
-            <a:lstStyle/>
-            <a:p>
-              <a:pPr algn="ctr"/>
-              <a:endParaRPr lang="en-US"/>
-            </a:p>
-          </p:txBody>
-        </p:sp>
-        <p:cxnSp>
-          <p:nvCxnSpPr>
-            <p:cNvPr id="23" name="Straight Connector 22">
-              <a:extLst>
-                <a:ext uri="{FF2B5EF4-FFF2-40B4-BE49-F238E27FC236}">
-                  <a16:creationId xmlns:a16="http://schemas.microsoft.com/office/drawing/2014/main" id="{D20562BA-FD60-440F-B3FC-96B6EE63DFF5}"/>
-                </a:ext>
-              </a:extLst>
-            </p:cNvPr>
-            <p:cNvCxnSpPr>
-              <a:stCxn id="22" idx="0"/>
-              <a:endCxn id="22" idx="2"/>
-            </p:cNvCxnSpPr>
-            <p:nvPr/>
-          </p:nvCxnSpPr>
-          <p:spPr>
-            <a:xfrm>
-              <a:off x="6593840" y="2058987"/>
-              <a:ext cx="0" cy="511175"/>
-            </a:xfrm>
-            <a:prstGeom prst="line">
-              <a:avLst/>
-            </a:prstGeom>
-            <a:ln w="28575">
-              <a:solidFill>
-                <a:schemeClr val="accent1">
-                  <a:lumMod val="50000"/>
-                </a:schemeClr>
-              </a:solidFill>
-            </a:ln>
-          </p:spPr>
-          <p:style>
-            <a:lnRef idx="1">
-              <a:schemeClr val="accent1"/>
-            </a:lnRef>
-            <a:fillRef idx="0">
-              <a:schemeClr val="accent1"/>
-            </a:fillRef>
-            <a:effectRef idx="0">
-              <a:schemeClr val="accent1"/>
-            </a:effectRef>
-            <a:fontRef idx="minor">
-              <a:schemeClr val="tx1"/>
-            </a:fontRef>
-          </p:style>
-        </p:cxnSp>
-        <p:cxnSp>
-          <p:nvCxnSpPr>
-            <p:cNvPr id="24" name="Straight Connector 23">
-              <a:extLst>
-                <a:ext uri="{FF2B5EF4-FFF2-40B4-BE49-F238E27FC236}">
-                  <a16:creationId xmlns:a16="http://schemas.microsoft.com/office/drawing/2014/main" id="{57EF95F4-92A8-49BC-BDC7-46A1C8C6754D}"/>
-                </a:ext>
-              </a:extLst>
-            </p:cNvPr>
-            <p:cNvCxnSpPr>
-              <a:cxnSpLocks/>
-              <a:stCxn id="22" idx="3"/>
-              <a:endCxn id="22" idx="1"/>
-            </p:cNvCxnSpPr>
-            <p:nvPr/>
-          </p:nvCxnSpPr>
-          <p:spPr>
-            <a:xfrm flipH="1">
-              <a:off x="6339839" y="2314575"/>
-              <a:ext cx="508001" cy="0"/>
-            </a:xfrm>
-            <a:prstGeom prst="line">
-              <a:avLst/>
-            </a:prstGeom>
-            <a:ln w="28575">
-              <a:solidFill>
-                <a:schemeClr val="accent1">
-                  <a:lumMod val="50000"/>
-                </a:schemeClr>
-              </a:solidFill>
-            </a:ln>
-          </p:spPr>
-          <p:style>
-            <a:lnRef idx="1">
-              <a:schemeClr val="accent1"/>
-            </a:lnRef>
-            <a:fillRef idx="0">
-              <a:schemeClr val="accent1"/>
-            </a:fillRef>
-            <a:effectRef idx="0">
-              <a:schemeClr val="accent1"/>
-            </a:effectRef>
-            <a:fontRef idx="minor">
-              <a:schemeClr val="tx1"/>
-            </a:fontRef>
-          </p:style>
-        </p:cxnSp>
-        <p:sp>
-          <p:nvSpPr>
-            <p:cNvPr id="25" name="TextBox 24">
-              <a:extLst>
-                <a:ext uri="{FF2B5EF4-FFF2-40B4-BE49-F238E27FC236}">
-                  <a16:creationId xmlns:a16="http://schemas.microsoft.com/office/drawing/2014/main" id="{DD9CE231-97B2-4A68-B711-B4D245CE78FA}"/>
-                </a:ext>
-              </a:extLst>
-            </p:cNvPr>
-            <p:cNvSpPr txBox="1"/>
-            <p:nvPr/>
-          </p:nvSpPr>
-          <p:spPr>
-            <a:xfrm>
-              <a:off x="6553200" y="2273091"/>
-              <a:ext cx="294630" cy="338000"/>
-            </a:xfrm>
-            <a:prstGeom prst="rect">
-              <a:avLst/>
-            </a:prstGeom>
-            <a:noFill/>
-          </p:spPr>
-          <p:txBody>
-            <a:bodyPr wrap="square" rtlCol="0">
-              <a:spAutoFit/>
-            </a:bodyPr>
-            <a:lstStyle/>
-            <a:p>
-              <a:r>
-                <a:rPr lang="en-US" sz="1600" dirty="0"/>
-                <a:t>C</a:t>
-              </a:r>
-            </a:p>
-          </p:txBody>
-        </p:sp>
-      </p:grpSp>
-      <p:grpSp>
-        <p:nvGrpSpPr>
-          <p:cNvPr id="34" name="Group 33">
-            <a:extLst>
-              <a:ext uri="{FF2B5EF4-FFF2-40B4-BE49-F238E27FC236}">
-                <a16:creationId xmlns:a16="http://schemas.microsoft.com/office/drawing/2014/main" id="{3C5AB968-8F37-4658-AB55-FBB1DB3A6397}"/>
-              </a:ext>
-            </a:extLst>
-          </p:cNvPr>
-          <p:cNvGrpSpPr/>
-          <p:nvPr/>
-        </p:nvGrpSpPr>
-        <p:grpSpPr>
-          <a:xfrm>
-            <a:off x="8207720" y="2484904"/>
-            <a:ext cx="1141598" cy="1099711"/>
-            <a:chOff x="4908709" y="3536258"/>
-            <a:chExt cx="1141598" cy="1099711"/>
-          </a:xfrm>
-        </p:grpSpPr>
-        <p:sp>
-          <p:nvSpPr>
-            <p:cNvPr id="27" name="Rectangle 26">
-              <a:extLst>
-                <a:ext uri="{FF2B5EF4-FFF2-40B4-BE49-F238E27FC236}">
-                  <a16:creationId xmlns:a16="http://schemas.microsoft.com/office/drawing/2014/main" id="{888B19D9-C27A-4CFE-9035-972D1EBDF57D}"/>
-                </a:ext>
-              </a:extLst>
-            </p:cNvPr>
-            <p:cNvSpPr/>
-            <p:nvPr/>
-          </p:nvSpPr>
-          <p:spPr>
-            <a:xfrm>
-              <a:off x="5277785" y="3536258"/>
-              <a:ext cx="403446" cy="1099711"/>
-            </a:xfrm>
-            <a:prstGeom prst="rect">
-              <a:avLst/>
-            </a:prstGeom>
-            <a:noFill/>
-            <a:ln w="28575">
-              <a:solidFill>
-                <a:schemeClr val="accent1">
-                  <a:lumMod val="50000"/>
-                </a:schemeClr>
-              </a:solidFill>
-            </a:ln>
-          </p:spPr>
-          <p:style>
-            <a:lnRef idx="2">
-              <a:schemeClr val="accent1">
-                <a:shade val="50000"/>
-              </a:schemeClr>
-            </a:lnRef>
-            <a:fillRef idx="1">
-              <a:schemeClr val="accent1"/>
-            </a:fillRef>
-            <a:effectRef idx="0">
-              <a:schemeClr val="accent1"/>
-            </a:effectRef>
-            <a:fontRef idx="minor">
-              <a:schemeClr val="lt1"/>
-            </a:fontRef>
-          </p:style>
-          <p:txBody>
-            <a:bodyPr rtlCol="0" anchor="ctr"/>
-            <a:lstStyle/>
-            <a:p>
-              <a:pPr algn="ctr"/>
-              <a:endParaRPr lang="en-US" dirty="0"/>
-            </a:p>
-          </p:txBody>
-        </p:sp>
-        <p:sp>
-          <p:nvSpPr>
-            <p:cNvPr id="32" name="Rectangle 31">
-              <a:extLst>
-                <a:ext uri="{FF2B5EF4-FFF2-40B4-BE49-F238E27FC236}">
-                  <a16:creationId xmlns:a16="http://schemas.microsoft.com/office/drawing/2014/main" id="{6D2B3389-252D-409D-98E1-5B743E931DB6}"/>
-                </a:ext>
-              </a:extLst>
-            </p:cNvPr>
-            <p:cNvSpPr/>
-            <p:nvPr/>
-          </p:nvSpPr>
-          <p:spPr>
-            <a:xfrm rot="5400000">
-              <a:off x="5277785" y="3515315"/>
-              <a:ext cx="403446" cy="1141598"/>
-            </a:xfrm>
-            <a:prstGeom prst="rect">
-              <a:avLst/>
-            </a:prstGeom>
-            <a:noFill/>
-            <a:ln w="28575">
-              <a:solidFill>
-                <a:schemeClr val="accent1">
-                  <a:lumMod val="50000"/>
-                </a:schemeClr>
-              </a:solidFill>
-            </a:ln>
-          </p:spPr>
-          <p:style>
-            <a:lnRef idx="2">
-              <a:schemeClr val="accent1">
-                <a:shade val="50000"/>
-              </a:schemeClr>
-            </a:lnRef>
-            <a:fillRef idx="1">
-              <a:schemeClr val="accent1"/>
-            </a:fillRef>
-            <a:effectRef idx="0">
-              <a:schemeClr val="accent1"/>
-            </a:effectRef>
-            <a:fontRef idx="minor">
-              <a:schemeClr val="lt1"/>
-            </a:fontRef>
-          </p:style>
-          <p:txBody>
-            <a:bodyPr rtlCol="0" anchor="ctr"/>
-            <a:lstStyle/>
-            <a:p>
-              <a:pPr algn="ctr"/>
-              <a:endParaRPr lang="en-US"/>
-            </a:p>
-          </p:txBody>
-        </p:sp>
-        <p:sp>
-          <p:nvSpPr>
-            <p:cNvPr id="33" name="TextBox 32">
-              <a:extLst>
-                <a:ext uri="{FF2B5EF4-FFF2-40B4-BE49-F238E27FC236}">
-                  <a16:creationId xmlns:a16="http://schemas.microsoft.com/office/drawing/2014/main" id="{7E35F744-45FE-43BB-A7DD-9D734F00AE92}"/>
-                </a:ext>
-              </a:extLst>
-            </p:cNvPr>
-            <p:cNvSpPr txBox="1"/>
-            <p:nvPr/>
-          </p:nvSpPr>
-          <p:spPr>
-            <a:xfrm>
-              <a:off x="5323204" y="3918505"/>
-              <a:ext cx="358027" cy="369332"/>
-            </a:xfrm>
-            <a:prstGeom prst="rect">
-              <a:avLst/>
-            </a:prstGeom>
-            <a:noFill/>
-          </p:spPr>
-          <p:txBody>
-            <a:bodyPr wrap="square" rtlCol="0">
-              <a:spAutoFit/>
-            </a:bodyPr>
-            <a:lstStyle/>
-            <a:p>
-              <a:r>
-                <a:rPr lang="en-US" dirty="0"/>
-                <a:t>C</a:t>
-              </a:r>
-            </a:p>
-          </p:txBody>
-        </p:sp>
-      </p:grpSp>
-      <p:grpSp>
-        <p:nvGrpSpPr>
-          <p:cNvPr id="46" name="Group 45">
-            <a:extLst>
-              <a:ext uri="{FF2B5EF4-FFF2-40B4-BE49-F238E27FC236}">
-                <a16:creationId xmlns:a16="http://schemas.microsoft.com/office/drawing/2014/main" id="{3E319FDF-EF5A-4760-8C1A-41CCE478F644}"/>
-              </a:ext>
-            </a:extLst>
-          </p:cNvPr>
-          <p:cNvGrpSpPr/>
-          <p:nvPr/>
-        </p:nvGrpSpPr>
-        <p:grpSpPr>
-          <a:xfrm>
-            <a:off x="4604290" y="2385622"/>
+            <a:off x="6096000" y="915410"/>
             <a:ext cx="403446" cy="403447"/>
             <a:chOff x="5178972" y="3683779"/>
             <a:chExt cx="403446" cy="403447"/>
@@ -3841,12 +3479,66 @@
           </p:txBody>
         </p:sp>
       </p:grpSp>
+      <p:sp>
+        <p:nvSpPr>
+          <p:cNvPr id="65" name="Rectangle 64">
+            <a:extLst>
+              <a:ext uri="{FF2B5EF4-FFF2-40B4-BE49-F238E27FC236}">
+                <a16:creationId xmlns:a16="http://schemas.microsoft.com/office/drawing/2014/main" id="{9544D480-B8FC-4FB1-A466-7C9D8104E462}"/>
+              </a:ext>
+            </a:extLst>
+          </p:cNvPr>
+          <p:cNvSpPr/>
+          <p:nvPr/>
+        </p:nvSpPr>
+        <p:spPr>
+          <a:xfrm rot="10800000">
+            <a:off x="8303915" y="2184571"/>
+            <a:ext cx="464474" cy="715895"/>
+          </a:xfrm>
+          <a:prstGeom prst="rect">
+            <a:avLst/>
+          </a:prstGeom>
+          <a:noFill/>
+          <a:ln w="28575">
+            <a:solidFill>
+              <a:schemeClr val="accent2">
+                <a:lumMod val="75000"/>
+              </a:schemeClr>
+            </a:solidFill>
+          </a:ln>
+        </p:spPr>
+        <p:style>
+          <a:lnRef idx="2">
+            <a:schemeClr val="accent1">
+              <a:shade val="50000"/>
+            </a:schemeClr>
+          </a:lnRef>
+          <a:fillRef idx="1">
+            <a:schemeClr val="accent1"/>
+          </a:fillRef>
+          <a:effectRef idx="0">
+            <a:schemeClr val="accent1"/>
+          </a:effectRef>
+          <a:fontRef idx="minor">
+            <a:schemeClr val="lt1"/>
+          </a:fontRef>
+        </p:style>
+        <p:txBody>
+          <a:bodyPr rtlCol="0" anchor="ctr"/>
+          <a:lstStyle/>
+          <a:p>
+            <a:pPr algn="ctr"/>
+            <a:endParaRPr lang="en-US" dirty="0"/>
+          </a:p>
+        </p:txBody>
+      </p:sp>
       <p:grpSp>
         <p:nvGrpSpPr>
-          <p:cNvPr id="62" name="Group 61">
-            <a:extLst>
-              <a:ext uri="{FF2B5EF4-FFF2-40B4-BE49-F238E27FC236}">
-                <a16:creationId xmlns:a16="http://schemas.microsoft.com/office/drawing/2014/main" id="{A4017A17-27F6-462C-9ED5-A1417779AC36}"/>
+          <p:cNvPr id="3" name="Group 2">
+            <a:extLst>
+              <a:ext uri="{FF2B5EF4-FFF2-40B4-BE49-F238E27FC236}">
+                <a16:creationId xmlns:a16="http://schemas.microsoft.com/office/drawing/2014/main" id="{C6DE3891-D5BC-4264-B4C5-0B7DF5036AA6}"/>
               </a:ext>
             </a:extLst>
           </p:cNvPr>
@@ -3855,149 +3547,18 @@
         </p:nvGrpSpPr>
         <p:grpSpPr>
           <a:xfrm>
-            <a:off x="8375073" y="3849174"/>
-            <a:ext cx="403446" cy="545539"/>
-            <a:chOff x="5178972" y="3612732"/>
-            <a:chExt cx="403446" cy="545539"/>
+            <a:off x="4569252" y="263553"/>
+            <a:ext cx="403446" cy="1392209"/>
+            <a:chOff x="4775440" y="2931459"/>
+            <a:chExt cx="403446" cy="1392209"/>
           </a:xfrm>
         </p:grpSpPr>
-        <p:grpSp>
-          <p:nvGrpSpPr>
-            <p:cNvPr id="63" name="Group 62">
+        <p:sp>
+          <p:nvSpPr>
+            <p:cNvPr id="27" name="Rectangle 26">
               <a:extLst>
                 <a:ext uri="{FF2B5EF4-FFF2-40B4-BE49-F238E27FC236}">
-                  <a16:creationId xmlns:a16="http://schemas.microsoft.com/office/drawing/2014/main" id="{176912EB-96A5-4098-958B-238EFC37BEC4}"/>
-                </a:ext>
-              </a:extLst>
-            </p:cNvPr>
-            <p:cNvGrpSpPr/>
-            <p:nvPr/>
-          </p:nvGrpSpPr>
-          <p:grpSpPr>
-            <a:xfrm>
-              <a:off x="5178972" y="3612732"/>
-              <a:ext cx="403446" cy="545539"/>
-              <a:chOff x="4773859" y="3144125"/>
-              <a:chExt cx="531296" cy="718417"/>
-            </a:xfrm>
-          </p:grpSpPr>
-          <p:sp>
-            <p:nvSpPr>
-              <p:cNvPr id="65" name="Rectangle 64">
-                <a:extLst>
-                  <a:ext uri="{FF2B5EF4-FFF2-40B4-BE49-F238E27FC236}">
-                    <a16:creationId xmlns:a16="http://schemas.microsoft.com/office/drawing/2014/main" id="{9544D480-B8FC-4FB1-A466-7C9D8104E462}"/>
-                  </a:ext>
-                </a:extLst>
-              </p:cNvPr>
-              <p:cNvSpPr/>
-              <p:nvPr/>
-            </p:nvSpPr>
-            <p:spPr>
-              <a:xfrm rot="10800000">
-                <a:off x="4930409" y="3144125"/>
-                <a:ext cx="218194" cy="718417"/>
-              </a:xfrm>
-              <a:prstGeom prst="rect">
-                <a:avLst/>
-              </a:prstGeom>
-              <a:noFill/>
-              <a:ln w="28575">
-                <a:solidFill>
-                  <a:schemeClr val="accent1">
-                    <a:lumMod val="50000"/>
-                  </a:schemeClr>
-                </a:solidFill>
-              </a:ln>
-            </p:spPr>
-            <p:style>
-              <a:lnRef idx="2">
-                <a:schemeClr val="accent1">
-                  <a:shade val="50000"/>
-                </a:schemeClr>
-              </a:lnRef>
-              <a:fillRef idx="1">
-                <a:schemeClr val="accent1"/>
-              </a:fillRef>
-              <a:effectRef idx="0">
-                <a:schemeClr val="accent1"/>
-              </a:effectRef>
-              <a:fontRef idx="minor">
-                <a:schemeClr val="lt1"/>
-              </a:fontRef>
-            </p:style>
-            <p:txBody>
-              <a:bodyPr rtlCol="0" anchor="ctr"/>
-              <a:lstStyle/>
-              <a:p>
-                <a:pPr algn="ctr"/>
-                <a:endParaRPr lang="en-US" dirty="0"/>
-              </a:p>
-            </p:txBody>
-          </p:sp>
-          <p:sp>
-            <p:nvSpPr>
-              <p:cNvPr id="66" name="Oval 65">
-                <a:extLst>
-                  <a:ext uri="{FF2B5EF4-FFF2-40B4-BE49-F238E27FC236}">
-                    <a16:creationId xmlns:a16="http://schemas.microsoft.com/office/drawing/2014/main" id="{29A83D00-F968-4143-BF29-6689E4B8EF63}"/>
-                  </a:ext>
-                </a:extLst>
-              </p:cNvPr>
-              <p:cNvSpPr/>
-              <p:nvPr/>
-            </p:nvSpPr>
-            <p:spPr>
-              <a:xfrm>
-                <a:off x="4773859" y="3237687"/>
-                <a:ext cx="531296" cy="531297"/>
-              </a:xfrm>
-              <a:prstGeom prst="ellipse">
-                <a:avLst/>
-              </a:prstGeom>
-              <a:solidFill>
-                <a:schemeClr val="bg1"/>
-              </a:solidFill>
-              <a:ln w="28575">
-                <a:solidFill>
-                  <a:schemeClr val="accent1">
-                    <a:lumMod val="50000"/>
-                  </a:schemeClr>
-                </a:solidFill>
-              </a:ln>
-            </p:spPr>
-            <p:style>
-              <a:lnRef idx="2">
-                <a:schemeClr val="accent1">
-                  <a:shade val="50000"/>
-                </a:schemeClr>
-              </a:lnRef>
-              <a:fillRef idx="1">
-                <a:schemeClr val="accent1"/>
-              </a:fillRef>
-              <a:effectRef idx="0">
-                <a:schemeClr val="accent1"/>
-              </a:effectRef>
-              <a:fontRef idx="minor">
-                <a:schemeClr val="lt1"/>
-              </a:fontRef>
-            </p:style>
-            <p:txBody>
-              <a:bodyPr rtlCol="0" anchor="ctr"/>
-              <a:lstStyle/>
-              <a:p>
-                <a:pPr algn="ctr"/>
-                <a:endParaRPr lang="en-US" dirty="0"/>
-              </a:p>
-            </p:txBody>
-          </p:sp>
-        </p:grpSp>
-        <p:sp>
-          <p:nvSpPr>
-            <p:cNvPr id="64" name="Oval 63">
-              <a:extLst>
-                <a:ext uri="{FF2B5EF4-FFF2-40B4-BE49-F238E27FC236}">
-                  <a16:creationId xmlns:a16="http://schemas.microsoft.com/office/drawing/2014/main" id="{577D91C4-B6DC-4DFD-8FE0-3A3710A845A2}"/>
+                  <a16:creationId xmlns:a16="http://schemas.microsoft.com/office/drawing/2014/main" id="{888B19D9-C27A-4CFE-9035-972D1EBDF57D}"/>
                 </a:ext>
               </a:extLst>
             </p:cNvPr>
@@ -4006,8 +3567,62 @@
           </p:nvSpPr>
           <p:spPr>
             <a:xfrm>
-              <a:off x="5357835" y="3862644"/>
-              <a:ext cx="45719" cy="45719"/>
+              <a:off x="4775440" y="2931459"/>
+              <a:ext cx="403446" cy="1392209"/>
+            </a:xfrm>
+            <a:prstGeom prst="rect">
+              <a:avLst/>
+            </a:prstGeom>
+            <a:noFill/>
+            <a:ln w="28575">
+              <a:solidFill>
+                <a:schemeClr val="accent1">
+                  <a:lumMod val="50000"/>
+                </a:schemeClr>
+              </a:solidFill>
+            </a:ln>
+          </p:spPr>
+          <p:style>
+            <a:lnRef idx="2">
+              <a:schemeClr val="accent1">
+                <a:shade val="50000"/>
+              </a:schemeClr>
+            </a:lnRef>
+            <a:fillRef idx="1">
+              <a:schemeClr val="accent1"/>
+            </a:fillRef>
+            <a:effectRef idx="0">
+              <a:schemeClr val="accent1"/>
+            </a:effectRef>
+            <a:fontRef idx="minor">
+              <a:schemeClr val="lt1"/>
+            </a:fontRef>
+          </p:style>
+          <p:txBody>
+            <a:bodyPr rtlCol="0" anchor="ctr"/>
+            <a:lstStyle/>
+            <a:p>
+              <a:pPr algn="ctr"/>
+              <a:endParaRPr lang="en-US" dirty="0"/>
+            </a:p>
+          </p:txBody>
+        </p:sp>
+        <p:sp>
+          <p:nvSpPr>
+            <p:cNvPr id="2" name="Oval 1">
+              <a:extLst>
+                <a:ext uri="{FF2B5EF4-FFF2-40B4-BE49-F238E27FC236}">
+                  <a16:creationId xmlns:a16="http://schemas.microsoft.com/office/drawing/2014/main" id="{22DBCDCA-C3C2-4E6D-A3AA-1DC541833096}"/>
+                </a:ext>
+              </a:extLst>
+            </p:cNvPr>
+            <p:cNvSpPr/>
+            <p:nvPr/>
+          </p:nvSpPr>
+          <p:spPr>
+            <a:xfrm>
+              <a:off x="4941304" y="4108946"/>
+              <a:ext cx="71718" cy="71718"/>
             </a:xfrm>
             <a:prstGeom prst="ellipse">
               <a:avLst/>
@@ -4041,10 +3656,10 @@
       </p:grpSp>
       <p:grpSp>
         <p:nvGrpSpPr>
-          <p:cNvPr id="67" name="Group 66">
-            <a:extLst>
-              <a:ext uri="{FF2B5EF4-FFF2-40B4-BE49-F238E27FC236}">
-                <a16:creationId xmlns:a16="http://schemas.microsoft.com/office/drawing/2014/main" id="{60B2DECF-6AA0-45D7-B151-F0C42673E790}"/>
+          <p:cNvPr id="35" name="Group 34">
+            <a:extLst>
+              <a:ext uri="{FF2B5EF4-FFF2-40B4-BE49-F238E27FC236}">
+                <a16:creationId xmlns:a16="http://schemas.microsoft.com/office/drawing/2014/main" id="{20D3B16D-35AD-44DD-AECD-CD2AB3903FDE}"/>
               </a:ext>
             </a:extLst>
           </p:cNvPr>
@@ -4053,18 +3668,18 @@
         </p:nvGrpSpPr>
         <p:grpSpPr>
           <a:xfrm>
-            <a:off x="3255550" y="2484904"/>
+            <a:off x="8334429" y="3083825"/>
             <a:ext cx="403446" cy="403447"/>
-            <a:chOff x="5178972" y="3683779"/>
+            <a:chOff x="4626660" y="3326578"/>
             <a:chExt cx="403446" cy="403447"/>
           </a:xfrm>
         </p:grpSpPr>
         <p:sp>
           <p:nvSpPr>
-            <p:cNvPr id="68" name="Oval 67">
+            <p:cNvPr id="36" name="Oval 35">
               <a:extLst>
                 <a:ext uri="{FF2B5EF4-FFF2-40B4-BE49-F238E27FC236}">
-                  <a16:creationId xmlns:a16="http://schemas.microsoft.com/office/drawing/2014/main" id="{81D78D36-26FF-470E-8BC1-C8DD017C2BCA}"/>
+                  <a16:creationId xmlns:a16="http://schemas.microsoft.com/office/drawing/2014/main" id="{E6F35A49-C44C-4CFE-A525-0AC1B25E07C9}"/>
                 </a:ext>
               </a:extLst>
             </p:cNvPr>
@@ -4073,7 +3688,7 @@
           </p:nvSpPr>
           <p:spPr>
             <a:xfrm>
-              <a:off x="5178972" y="3683779"/>
+              <a:off x="4626660" y="3326578"/>
               <a:ext cx="403446" cy="403447"/>
             </a:xfrm>
             <a:prstGeom prst="ellipse">
@@ -4117,10 +3732,10 @@
         </p:sp>
         <p:sp>
           <p:nvSpPr>
-            <p:cNvPr id="69" name="Oval 68">
+            <p:cNvPr id="37" name="Oval 36">
               <a:extLst>
                 <a:ext uri="{FF2B5EF4-FFF2-40B4-BE49-F238E27FC236}">
-                  <a16:creationId xmlns:a16="http://schemas.microsoft.com/office/drawing/2014/main" id="{728C58F2-EFA0-4133-9675-6325601DC717}"/>
+                  <a16:creationId xmlns:a16="http://schemas.microsoft.com/office/drawing/2014/main" id="{191E5A18-039B-49F3-A9FC-BBC4F2F3ABB9}"/>
                 </a:ext>
               </a:extLst>
             </p:cNvPr>
@@ -4129,7 +3744,7 @@
           </p:nvSpPr>
           <p:spPr>
             <a:xfrm>
-              <a:off x="5357835" y="3862644"/>
+              <a:off x="4805523" y="3519336"/>
               <a:ext cx="45719" cy="45719"/>
             </a:xfrm>
             <a:prstGeom prst="ellipse">
@@ -4164,10 +3779,10 @@
       </p:grpSp>
       <p:grpSp>
         <p:nvGrpSpPr>
-          <p:cNvPr id="70" name="Group 69">
-            <a:extLst>
-              <a:ext uri="{FF2B5EF4-FFF2-40B4-BE49-F238E27FC236}">
-                <a16:creationId xmlns:a16="http://schemas.microsoft.com/office/drawing/2014/main" id="{91CB3EB8-EFE8-4F73-9A70-1AF910230543}"/>
+          <p:cNvPr id="7" name="Group 6">
+            <a:extLst>
+              <a:ext uri="{FF2B5EF4-FFF2-40B4-BE49-F238E27FC236}">
+                <a16:creationId xmlns:a16="http://schemas.microsoft.com/office/drawing/2014/main" id="{FDAF9899-DCE5-4343-BDC4-4E243DBC62BE}"/>
               </a:ext>
             </a:extLst>
           </p:cNvPr>
@@ -4176,18 +3791,18 @@
         </p:nvGrpSpPr>
         <p:grpSpPr>
           <a:xfrm>
-            <a:off x="2173510" y="3997283"/>
-            <a:ext cx="403446" cy="403447"/>
-            <a:chOff x="5178972" y="3683779"/>
-            <a:chExt cx="403446" cy="403447"/>
+            <a:off x="4463693" y="2320174"/>
+            <a:ext cx="343141" cy="352975"/>
+            <a:chOff x="7777414" y="1400175"/>
+            <a:chExt cx="542846" cy="546100"/>
           </a:xfrm>
         </p:grpSpPr>
         <p:sp>
           <p:nvSpPr>
-            <p:cNvPr id="71" name="Oval 70">
+            <p:cNvPr id="22" name="Rectangle 21">
               <a:extLst>
                 <a:ext uri="{FF2B5EF4-FFF2-40B4-BE49-F238E27FC236}">
-                  <a16:creationId xmlns:a16="http://schemas.microsoft.com/office/drawing/2014/main" id="{9B9AEB1B-EF3C-4FA8-BCE2-53A07E9B5936}"/>
+                  <a16:creationId xmlns:a16="http://schemas.microsoft.com/office/drawing/2014/main" id="{28562A40-4DBF-4000-BF47-C8A6854FFAFE}"/>
                 </a:ext>
               </a:extLst>
             </p:cNvPr>
@@ -4196,15 +3811,13 @@
           </p:nvSpPr>
           <p:spPr>
             <a:xfrm>
-              <a:off x="5178972" y="3683779"/>
-              <a:ext cx="403446" cy="403447"/>
+              <a:off x="7777414" y="1400175"/>
+              <a:ext cx="508001" cy="511175"/>
             </a:xfrm>
-            <a:prstGeom prst="ellipse">
+            <a:prstGeom prst="rect">
               <a:avLst/>
             </a:prstGeom>
-            <a:solidFill>
-              <a:schemeClr val="bg1"/>
-            </a:solidFill>
+            <a:noFill/>
             <a:ln w="28575">
               <a:solidFill>
                 <a:schemeClr val="accent1">
@@ -4234,16 +3847,16 @@
             <a:lstStyle/>
             <a:p>
               <a:pPr algn="ctr"/>
-              <a:endParaRPr lang="en-US" dirty="0"/>
+              <a:endParaRPr lang="en-US"/>
             </a:p>
           </p:txBody>
         </p:sp>
         <p:sp>
           <p:nvSpPr>
-            <p:cNvPr id="72" name="Oval 71">
+            <p:cNvPr id="6" name="Oval 5">
               <a:extLst>
                 <a:ext uri="{FF2B5EF4-FFF2-40B4-BE49-F238E27FC236}">
-                  <a16:creationId xmlns:a16="http://schemas.microsoft.com/office/drawing/2014/main" id="{EBA8E972-79D4-40FB-B620-1124C95456AE}"/>
+                  <a16:creationId xmlns:a16="http://schemas.microsoft.com/office/drawing/2014/main" id="{6096908E-00E0-4A73-9BAB-06252CF896BD}"/>
                 </a:ext>
               </a:extLst>
             </p:cNvPr>
@@ -4252,8 +3865,129 @@
           </p:nvSpPr>
           <p:spPr>
             <a:xfrm>
-              <a:off x="5357835" y="3862644"/>
-              <a:ext cx="45719" cy="45719"/>
+              <a:off x="8176825" y="1802840"/>
+              <a:ext cx="143435" cy="143435"/>
+            </a:xfrm>
+            <a:prstGeom prst="ellipse">
+              <a:avLst/>
+            </a:prstGeom>
+          </p:spPr>
+          <p:style>
+            <a:lnRef idx="2">
+              <a:schemeClr val="accent1">
+                <a:shade val="50000"/>
+              </a:schemeClr>
+            </a:lnRef>
+            <a:fillRef idx="1">
+              <a:schemeClr val="accent1"/>
+            </a:fillRef>
+            <a:effectRef idx="0">
+              <a:schemeClr val="accent1"/>
+            </a:effectRef>
+            <a:fontRef idx="minor">
+              <a:schemeClr val="lt1"/>
+            </a:fontRef>
+          </p:style>
+          <p:txBody>
+            <a:bodyPr rtlCol="0" anchor="ctr"/>
+            <a:lstStyle/>
+            <a:p>
+              <a:pPr algn="ctr"/>
+              <a:endParaRPr lang="en-US"/>
+            </a:p>
+          </p:txBody>
+        </p:sp>
+      </p:grpSp>
+      <p:grpSp>
+        <p:nvGrpSpPr>
+          <p:cNvPr id="40" name="Group 39">
+            <a:extLst>
+              <a:ext uri="{FF2B5EF4-FFF2-40B4-BE49-F238E27FC236}">
+                <a16:creationId xmlns:a16="http://schemas.microsoft.com/office/drawing/2014/main" id="{0267C079-A45E-4F93-A66C-BC3AD859AD26}"/>
+              </a:ext>
+            </a:extLst>
+          </p:cNvPr>
+          <p:cNvGrpSpPr/>
+          <p:nvPr/>
+        </p:nvGrpSpPr>
+        <p:grpSpPr>
+          <a:xfrm>
+            <a:off x="3558257" y="2723978"/>
+            <a:ext cx="343141" cy="352975"/>
+            <a:chOff x="7777414" y="1400175"/>
+            <a:chExt cx="542846" cy="546100"/>
+          </a:xfrm>
+        </p:grpSpPr>
+        <p:sp>
+          <p:nvSpPr>
+            <p:cNvPr id="41" name="Rectangle 40">
+              <a:extLst>
+                <a:ext uri="{FF2B5EF4-FFF2-40B4-BE49-F238E27FC236}">
+                  <a16:creationId xmlns:a16="http://schemas.microsoft.com/office/drawing/2014/main" id="{E8CC6E9F-B98E-4DE2-989B-42F02B50503F}"/>
+                </a:ext>
+              </a:extLst>
+            </p:cNvPr>
+            <p:cNvSpPr/>
+            <p:nvPr/>
+          </p:nvSpPr>
+          <p:spPr>
+            <a:xfrm>
+              <a:off x="7777414" y="1400175"/>
+              <a:ext cx="508001" cy="511175"/>
+            </a:xfrm>
+            <a:prstGeom prst="rect">
+              <a:avLst/>
+            </a:prstGeom>
+            <a:noFill/>
+            <a:ln w="28575">
+              <a:solidFill>
+                <a:schemeClr val="accent1">
+                  <a:lumMod val="50000"/>
+                </a:schemeClr>
+              </a:solidFill>
+            </a:ln>
+          </p:spPr>
+          <p:style>
+            <a:lnRef idx="2">
+              <a:schemeClr val="accent1">
+                <a:shade val="50000"/>
+              </a:schemeClr>
+            </a:lnRef>
+            <a:fillRef idx="1">
+              <a:schemeClr val="accent1"/>
+            </a:fillRef>
+            <a:effectRef idx="0">
+              <a:schemeClr val="accent1"/>
+            </a:effectRef>
+            <a:fontRef idx="minor">
+              <a:schemeClr val="lt1"/>
+            </a:fontRef>
+          </p:style>
+          <p:txBody>
+            <a:bodyPr rtlCol="0" anchor="ctr"/>
+            <a:lstStyle/>
+            <a:p>
+              <a:pPr algn="ctr"/>
+              <a:endParaRPr lang="en-US"/>
+            </a:p>
+          </p:txBody>
+        </p:sp>
+        <p:sp>
+          <p:nvSpPr>
+            <p:cNvPr id="42" name="Oval 41">
+              <a:extLst>
+                <a:ext uri="{FF2B5EF4-FFF2-40B4-BE49-F238E27FC236}">
+                  <a16:creationId xmlns:a16="http://schemas.microsoft.com/office/drawing/2014/main" id="{B03D53AE-DE52-4E78-A23B-6DF83A347424}"/>
+                </a:ext>
+              </a:extLst>
+            </p:cNvPr>
+            <p:cNvSpPr/>
+            <p:nvPr/>
+          </p:nvSpPr>
+          <p:spPr>
+            <a:xfrm>
+              <a:off x="8176825" y="1802840"/>
+              <a:ext cx="143435" cy="143435"/>
             </a:xfrm>
             <a:prstGeom prst="ellipse">
               <a:avLst/>
